--- a/20190522/Build GUIs to make your code look super expensive - Merlijn Van Waeyenberghe/Build GUIs to make your code look super expensive.pptx
+++ b/20190522/Build GUIs to make your code look super expensive - Merlijn Van Waeyenberghe/Build GUIs to make your code look super expensive.pptx
@@ -12995,7 +12995,7 @@
                                   <p:childTnLst>
                                     <p:animScale>
                                       <p:cBhvr>
-                                        <p:cTn id="8" dur="1750" fill="hold"/>
+                                        <p:cTn id="8" dur="3000" fill="hold"/>
                                         <p:tgtEl>
                                           <p:spTgt spid="3"/>
                                         </p:tgtEl>
@@ -13383,6 +13383,29 @@
               </a:rPr>
               <a:t>https://docs.microsoft.com/en-us/dotnet/framework/wpf/getting-started/wpf-walkthroughs</a:t>
             </a:r>
+            <a:endParaRPr lang="en-US" dirty="0"/>
+          </a:p>
+          <a:p>
+            <a:r>
+              <a:rPr lang="en-US" dirty="0">
+                <a:hlinkClick r:id="rId5"/>
+              </a:rPr>
+              <a:t>https://powertheshell.com</a:t>
+            </a:r>
+            <a:r>
+              <a:rPr lang="en-US" dirty="0"/>
+              <a:t> (</a:t>
+            </a:r>
+            <a:r>
+              <a:rPr lang="en-US" dirty="0" err="1"/>
+              <a:t>ISESteroids</a:t>
+            </a:r>
+            <a:r>
+              <a:rPr lang="en-US" dirty="0"/>
+              <a:t> Module)</a:t>
+            </a:r>
+          </a:p>
+          <a:p>
             <a:endParaRPr lang="en-BE" dirty="0"/>
           </a:p>
         </p:txBody>
@@ -13420,6 +13443,125 @@
           <a:chExt cx="0" cy="0"/>
         </a:xfrm>
       </p:grpSpPr>
+      <p:sp>
+        <p:nvSpPr>
+          <p:cNvPr id="2" name="Title 1">
+            <a:extLst>
+              <a:ext uri="{FF2B5EF4-FFF2-40B4-BE49-F238E27FC236}">
+                <a16:creationId xmlns:a16="http://schemas.microsoft.com/office/drawing/2014/main" id="{9DF7C44A-E9B3-4BE2-81DD-FA6A1CDDB9F7}"/>
+              </a:ext>
+            </a:extLst>
+          </p:cNvPr>
+          <p:cNvSpPr>
+            <a:spLocks noGrp="1"/>
+          </p:cNvSpPr>
+          <p:nvPr>
+            <p:ph type="title"/>
+          </p:nvPr>
+        </p:nvSpPr>
+        <p:spPr/>
+        <p:txBody>
+          <a:bodyPr/>
+          <a:lstStyle/>
+          <a:p>
+            <a:endParaRPr lang="en-BE"/>
+          </a:p>
+        </p:txBody>
+      </p:sp>
+      <p:sp>
+        <p:nvSpPr>
+          <p:cNvPr id="3" name="Content Placeholder 2">
+            <a:extLst>
+              <a:ext uri="{FF2B5EF4-FFF2-40B4-BE49-F238E27FC236}">
+                <a16:creationId xmlns:a16="http://schemas.microsoft.com/office/drawing/2014/main" id="{C7126D83-9F0C-4773-94BD-09A1301543BF}"/>
+              </a:ext>
+            </a:extLst>
+          </p:cNvPr>
+          <p:cNvSpPr>
+            <a:spLocks noGrp="1"/>
+          </p:cNvSpPr>
+          <p:nvPr>
+            <p:ph idx="1"/>
+          </p:nvPr>
+        </p:nvSpPr>
+        <p:spPr>
+          <a:xfrm>
+            <a:off x="838200" y="1825625"/>
+            <a:ext cx="10515600" cy="4351338"/>
+          </a:xfrm>
+        </p:spPr>
+        <p:txBody>
+          <a:bodyPr/>
+          <a:lstStyle/>
+          <a:p>
+            <a:pPr marL="1828800" lvl="4" indent="0" algn="ctr">
+              <a:buNone/>
+            </a:pPr>
+            <a:endParaRPr lang="en-BE" b="1" dirty="0"/>
+          </a:p>
+        </p:txBody>
+      </p:sp>
+      <p:sp>
+        <p:nvSpPr>
+          <p:cNvPr id="4" name="Rectangle 3">
+            <a:extLst>
+              <a:ext uri="{FF2B5EF4-FFF2-40B4-BE49-F238E27FC236}">
+                <a16:creationId xmlns:a16="http://schemas.microsoft.com/office/drawing/2014/main" id="{3747701A-8367-49CB-BF37-632DD7B2EC2E}"/>
+              </a:ext>
+            </a:extLst>
+          </p:cNvPr>
+          <p:cNvSpPr/>
+          <p:nvPr/>
+        </p:nvSpPr>
+        <p:spPr>
+          <a:xfrm>
+            <a:off x="3187245" y="2043339"/>
+            <a:ext cx="5817510" cy="2646878"/>
+          </a:xfrm>
+          <a:prstGeom prst="rect">
+            <a:avLst/>
+          </a:prstGeom>
+          <a:noFill/>
+        </p:spPr>
+        <p:txBody>
+          <a:bodyPr wrap="square" lIns="91440" tIns="45720" rIns="91440" bIns="45720">
+            <a:spAutoFit/>
+          </a:bodyPr>
+          <a:lstStyle/>
+          <a:p>
+            <a:pPr algn="ctr"/>
+            <a:r>
+              <a:rPr lang="en-US" sz="16600" b="1" cap="none" spc="50" dirty="0">
+                <a:ln w="0"/>
+                <a:solidFill>
+                  <a:schemeClr val="bg2"/>
+                </a:solidFill>
+                <a:effectLst>
+                  <a:innerShdw blurRad="63500" dist="50800" dir="13500000">
+                    <a:srgbClr val="000000">
+                      <a:alpha val="50000"/>
+                    </a:srgbClr>
+                  </a:innerShdw>
+                </a:effectLst>
+              </a:rPr>
+              <a:t>Q&amp;A</a:t>
+            </a:r>
+            <a:endParaRPr lang="en-BE" sz="16600" b="1" cap="none" spc="50" dirty="0">
+              <a:ln w="0"/>
+              <a:solidFill>
+                <a:schemeClr val="bg2"/>
+              </a:solidFill>
+              <a:effectLst>
+                <a:innerShdw blurRad="63500" dist="50800" dir="13500000">
+                  <a:srgbClr val="000000">
+                    <a:alpha val="50000"/>
+                  </a:srgbClr>
+                </a:innerShdw>
+              </a:effectLst>
+            </a:endParaRPr>
+          </a:p>
+        </p:txBody>
+      </p:sp>
     </p:spTree>
     <p:extLst>
       <p:ext uri="{BB962C8B-B14F-4D97-AF65-F5344CB8AC3E}">
@@ -16438,6 +16580,320 @@
   <p:clrMapOvr>
     <a:masterClrMapping/>
   </p:clrMapOvr>
+  <p:timing>
+    <p:tnLst>
+      <p:par>
+        <p:cTn id="1" dur="indefinite" restart="never" nodeType="tmRoot">
+          <p:childTnLst>
+            <p:seq concurrent="1" nextAc="seek">
+              <p:cTn id="2" dur="indefinite" nodeType="mainSeq">
+                <p:childTnLst>
+                  <p:par>
+                    <p:cTn id="3" fill="hold">
+                      <p:stCondLst>
+                        <p:cond delay="indefinite"/>
+                      </p:stCondLst>
+                      <p:childTnLst>
+                        <p:par>
+                          <p:cTn id="4" fill="hold">
+                            <p:stCondLst>
+                              <p:cond delay="0"/>
+                            </p:stCondLst>
+                            <p:childTnLst>
+                              <p:par>
+                                <p:cTn id="5" presetID="1" presetClass="entr" presetSubtype="0" fill="hold" nodeType="clickEffect">
+                                  <p:stCondLst>
+                                    <p:cond delay="0"/>
+                                  </p:stCondLst>
+                                  <p:childTnLst>
+                                    <p:set>
+                                      <p:cBhvr>
+                                        <p:cTn id="6" dur="1" fill="hold">
+                                          <p:stCondLst>
+                                            <p:cond delay="0"/>
+                                          </p:stCondLst>
+                                        </p:cTn>
+                                        <p:tgtEl>
+                                          <p:spTgt spid="3">
+                                            <p:txEl>
+                                              <p:pRg st="0" end="0"/>
+                                            </p:txEl>
+                                          </p:spTgt>
+                                        </p:tgtEl>
+                                        <p:attrNameLst>
+                                          <p:attrName>style.visibility</p:attrName>
+                                        </p:attrNameLst>
+                                      </p:cBhvr>
+                                      <p:to>
+                                        <p:strVal val="visible"/>
+                                      </p:to>
+                                    </p:set>
+                                  </p:childTnLst>
+                                </p:cTn>
+                              </p:par>
+                            </p:childTnLst>
+                          </p:cTn>
+                        </p:par>
+                      </p:childTnLst>
+                    </p:cTn>
+                  </p:par>
+                  <p:par>
+                    <p:cTn id="7" fill="hold">
+                      <p:stCondLst>
+                        <p:cond delay="indefinite"/>
+                      </p:stCondLst>
+                      <p:childTnLst>
+                        <p:par>
+                          <p:cTn id="8" fill="hold">
+                            <p:stCondLst>
+                              <p:cond delay="0"/>
+                            </p:stCondLst>
+                            <p:childTnLst>
+                              <p:par>
+                                <p:cTn id="9" presetID="1" presetClass="entr" presetSubtype="0" fill="hold" nodeType="clickEffect">
+                                  <p:stCondLst>
+                                    <p:cond delay="0"/>
+                                  </p:stCondLst>
+                                  <p:childTnLst>
+                                    <p:set>
+                                      <p:cBhvr>
+                                        <p:cTn id="10" dur="1" fill="hold">
+                                          <p:stCondLst>
+                                            <p:cond delay="0"/>
+                                          </p:stCondLst>
+                                        </p:cTn>
+                                        <p:tgtEl>
+                                          <p:spTgt spid="3">
+                                            <p:txEl>
+                                              <p:pRg st="1" end="1"/>
+                                            </p:txEl>
+                                          </p:spTgt>
+                                        </p:tgtEl>
+                                        <p:attrNameLst>
+                                          <p:attrName>style.visibility</p:attrName>
+                                        </p:attrNameLst>
+                                      </p:cBhvr>
+                                      <p:to>
+                                        <p:strVal val="visible"/>
+                                      </p:to>
+                                    </p:set>
+                                  </p:childTnLst>
+                                </p:cTn>
+                              </p:par>
+                              <p:par>
+                                <p:cTn id="11" presetID="1" presetClass="entr" presetSubtype="0" fill="hold" nodeType="withEffect">
+                                  <p:stCondLst>
+                                    <p:cond delay="0"/>
+                                  </p:stCondLst>
+                                  <p:childTnLst>
+                                    <p:set>
+                                      <p:cBhvr>
+                                        <p:cTn id="12" dur="1" fill="hold">
+                                          <p:stCondLst>
+                                            <p:cond delay="0"/>
+                                          </p:stCondLst>
+                                        </p:cTn>
+                                        <p:tgtEl>
+                                          <p:spTgt spid="3">
+                                            <p:txEl>
+                                              <p:pRg st="2" end="2"/>
+                                            </p:txEl>
+                                          </p:spTgt>
+                                        </p:tgtEl>
+                                        <p:attrNameLst>
+                                          <p:attrName>style.visibility</p:attrName>
+                                        </p:attrNameLst>
+                                      </p:cBhvr>
+                                      <p:to>
+                                        <p:strVal val="visible"/>
+                                      </p:to>
+                                    </p:set>
+                                  </p:childTnLst>
+                                </p:cTn>
+                              </p:par>
+                              <p:par>
+                                <p:cTn id="13" presetID="1" presetClass="entr" presetSubtype="0" fill="hold" nodeType="withEffect">
+                                  <p:stCondLst>
+                                    <p:cond delay="0"/>
+                                  </p:stCondLst>
+                                  <p:childTnLst>
+                                    <p:set>
+                                      <p:cBhvr>
+                                        <p:cTn id="14" dur="1" fill="hold">
+                                          <p:stCondLst>
+                                            <p:cond delay="0"/>
+                                          </p:stCondLst>
+                                        </p:cTn>
+                                        <p:tgtEl>
+                                          <p:spTgt spid="3">
+                                            <p:txEl>
+                                              <p:pRg st="3" end="3"/>
+                                            </p:txEl>
+                                          </p:spTgt>
+                                        </p:tgtEl>
+                                        <p:attrNameLst>
+                                          <p:attrName>style.visibility</p:attrName>
+                                        </p:attrNameLst>
+                                      </p:cBhvr>
+                                      <p:to>
+                                        <p:strVal val="visible"/>
+                                      </p:to>
+                                    </p:set>
+                                  </p:childTnLst>
+                                </p:cTn>
+                              </p:par>
+                              <p:par>
+                                <p:cTn id="15" presetID="1" presetClass="entr" presetSubtype="0" fill="hold" nodeType="withEffect">
+                                  <p:stCondLst>
+                                    <p:cond delay="0"/>
+                                  </p:stCondLst>
+                                  <p:childTnLst>
+                                    <p:set>
+                                      <p:cBhvr>
+                                        <p:cTn id="16" dur="1" fill="hold">
+                                          <p:stCondLst>
+                                            <p:cond delay="0"/>
+                                          </p:stCondLst>
+                                        </p:cTn>
+                                        <p:tgtEl>
+                                          <p:spTgt spid="3">
+                                            <p:txEl>
+                                              <p:pRg st="4" end="4"/>
+                                            </p:txEl>
+                                          </p:spTgt>
+                                        </p:tgtEl>
+                                        <p:attrNameLst>
+                                          <p:attrName>style.visibility</p:attrName>
+                                        </p:attrNameLst>
+                                      </p:cBhvr>
+                                      <p:to>
+                                        <p:strVal val="visible"/>
+                                      </p:to>
+                                    </p:set>
+                                  </p:childTnLst>
+                                </p:cTn>
+                              </p:par>
+                              <p:par>
+                                <p:cTn id="17" presetID="1" presetClass="entr" presetSubtype="0" fill="hold" nodeType="withEffect">
+                                  <p:stCondLst>
+                                    <p:cond delay="0"/>
+                                  </p:stCondLst>
+                                  <p:childTnLst>
+                                    <p:set>
+                                      <p:cBhvr>
+                                        <p:cTn id="18" dur="1" fill="hold">
+                                          <p:stCondLst>
+                                            <p:cond delay="0"/>
+                                          </p:stCondLst>
+                                        </p:cTn>
+                                        <p:tgtEl>
+                                          <p:spTgt spid="3">
+                                            <p:txEl>
+                                              <p:pRg st="5" end="5"/>
+                                            </p:txEl>
+                                          </p:spTgt>
+                                        </p:tgtEl>
+                                        <p:attrNameLst>
+                                          <p:attrName>style.visibility</p:attrName>
+                                        </p:attrNameLst>
+                                      </p:cBhvr>
+                                      <p:to>
+                                        <p:strVal val="visible"/>
+                                      </p:to>
+                                    </p:set>
+                                  </p:childTnLst>
+                                </p:cTn>
+                              </p:par>
+                              <p:par>
+                                <p:cTn id="19" presetID="1" presetClass="entr" presetSubtype="0" fill="hold" nodeType="withEffect">
+                                  <p:stCondLst>
+                                    <p:cond delay="0"/>
+                                  </p:stCondLst>
+                                  <p:childTnLst>
+                                    <p:set>
+                                      <p:cBhvr>
+                                        <p:cTn id="20" dur="1" fill="hold">
+                                          <p:stCondLst>
+                                            <p:cond delay="0"/>
+                                          </p:stCondLst>
+                                        </p:cTn>
+                                        <p:tgtEl>
+                                          <p:spTgt spid="3">
+                                            <p:txEl>
+                                              <p:pRg st="6" end="6"/>
+                                            </p:txEl>
+                                          </p:spTgt>
+                                        </p:tgtEl>
+                                        <p:attrNameLst>
+                                          <p:attrName>style.visibility</p:attrName>
+                                        </p:attrNameLst>
+                                      </p:cBhvr>
+                                      <p:to>
+                                        <p:strVal val="visible"/>
+                                      </p:to>
+                                    </p:set>
+                                  </p:childTnLst>
+                                </p:cTn>
+                              </p:par>
+                              <p:par>
+                                <p:cTn id="21" presetID="1" presetClass="entr" presetSubtype="0" fill="hold" nodeType="withEffect">
+                                  <p:stCondLst>
+                                    <p:cond delay="0"/>
+                                  </p:stCondLst>
+                                  <p:childTnLst>
+                                    <p:set>
+                                      <p:cBhvr>
+                                        <p:cTn id="22" dur="1" fill="hold">
+                                          <p:stCondLst>
+                                            <p:cond delay="0"/>
+                                          </p:stCondLst>
+                                        </p:cTn>
+                                        <p:tgtEl>
+                                          <p:spTgt spid="3">
+                                            <p:txEl>
+                                              <p:pRg st="7" end="7"/>
+                                            </p:txEl>
+                                          </p:spTgt>
+                                        </p:tgtEl>
+                                        <p:attrNameLst>
+                                          <p:attrName>style.visibility</p:attrName>
+                                        </p:attrNameLst>
+                                      </p:cBhvr>
+                                      <p:to>
+                                        <p:strVal val="visible"/>
+                                      </p:to>
+                                    </p:set>
+                                  </p:childTnLst>
+                                </p:cTn>
+                              </p:par>
+                            </p:childTnLst>
+                          </p:cTn>
+                        </p:par>
+                      </p:childTnLst>
+                    </p:cTn>
+                  </p:par>
+                </p:childTnLst>
+              </p:cTn>
+              <p:prevCondLst>
+                <p:cond evt="onPrev" delay="0">
+                  <p:tgtEl>
+                    <p:sldTgt/>
+                  </p:tgtEl>
+                </p:cond>
+              </p:prevCondLst>
+              <p:nextCondLst>
+                <p:cond evt="onNext" delay="0">
+                  <p:tgtEl>
+                    <p:sldTgt/>
+                  </p:tgtEl>
+                </p:cond>
+              </p:nextCondLst>
+            </p:seq>
+          </p:childTnLst>
+        </p:cTn>
+      </p:par>
+    </p:tnLst>
+  </p:timing>
 </p:sld>
 </file>
 
